--- a/aulas/t/SOP-T1-2DE.pptx
+++ b/aulas/t/SOP-T1-2DE.pptx
@@ -13575,7 +13575,7 @@
         <p:spPr bwMode="auto">
           <a:xfrm>
             <a:off x="539999" y="900000"/>
-            <a:ext cx="8206425" cy="4381444"/>
+            <a:ext cx="8206425" cy="3938245"/>
           </a:xfrm>
           <a:prstGeom prst="rect">
             <a:avLst/>
@@ -13633,7 +13633,7 @@
             </a:r>
             <a:r>
               <a:rPr lang="pt-PT" sz="2800" i="0" dirty="0"/>
-              <a:t>Sistemas Operativos</a:t>
+              <a:t>Sistemas Operativos 2022/23</a:t>
             </a:r>
           </a:p>
           <a:p>
@@ -13650,7 +13650,7 @@
             </a:r>
             <a:r>
               <a:rPr lang="pt-PT" sz="2800" i="0" dirty="0"/>
-              <a:t>so2021</a:t>
+              <a:t>so2223</a:t>
             </a:r>
           </a:p>
           <a:p>
@@ -13681,7 +13681,7 @@
             </a:pPr>
             <a:r>
               <a:rPr lang="pt-PT" sz="2000" i="0" dirty="0"/>
-              <a:t>2 conjunto (</a:t>
+              <a:t>2 conjuntos (</a:t>
             </a:r>
             <a:r>
               <a:rPr lang="pt-PT" sz="2000" dirty="0" err="1"/>
@@ -13693,7 +13693,7 @@
             </a:r>
             <a:r>
               <a:rPr lang="pt-PT" sz="2000" i="0" dirty="0"/>
-              <a:t>e resolução) de 2 questões (em 5 possíveis)</a:t>
+              <a:t>e resolução) de 3 questões cada (em 5 possíveis)</a:t>
             </a:r>
             <a:r>
               <a:rPr lang="pt-PT" sz="2000" b="0" i="0" dirty="0"/>
@@ -13709,64 +13709,28 @@
               <a:buChar char="Ø"/>
             </a:pPr>
             <a:r>
-              <a:rPr lang="en-GB" sz="2000" b="0" i="0" dirty="0"/>
-              <a:t>Das </a:t>
-            </a:r>
-            <a:r>
               <a:rPr lang="en-GB" sz="2000" i="0" dirty="0"/>
-              <a:t>18h de </a:t>
+              <a:t>1 </a:t>
             </a:r>
             <a:r>
               <a:rPr lang="en-GB" sz="2000" i="0" dirty="0" err="1"/>
-              <a:t>quinta</a:t>
+              <a:t>tentativa</a:t>
             </a:r>
             <a:r>
               <a:rPr lang="en-GB" sz="2000" i="0" dirty="0"/>
-              <a:t>, 13 de </a:t>
+              <a:t> </a:t>
             </a:r>
             <a:r>
               <a:rPr lang="en-GB" sz="2000" i="0" dirty="0" err="1"/>
-              <a:t>outubro</a:t>
-            </a:r>
-            <a:r>
-              <a:rPr lang="en-GB" sz="2000" b="0" i="0" dirty="0"/>
-              <a:t> </a:t>
-            </a:r>
-            <a:r>
-              <a:rPr lang="en-GB" sz="2000" b="0" i="0" dirty="0" err="1"/>
-              <a:t>até</a:t>
-            </a:r>
-            <a:r>
-              <a:rPr lang="en-GB" sz="2000" b="0" i="0" dirty="0"/>
-              <a:t> </a:t>
-            </a:r>
-            <a:r>
-              <a:rPr lang="en-GB" sz="2000" b="0" i="0" dirty="0" err="1"/>
-              <a:t>às</a:t>
-            </a:r>
-            <a:r>
-              <a:rPr lang="en-GB" sz="2000" b="0" i="0" dirty="0"/>
-              <a:t> </a:t>
+              <a:t>apenas</a:t>
             </a:r>
             <a:r>
               <a:rPr lang="en-GB" sz="2000" i="0" dirty="0"/>
-              <a:t>18h00 de </a:t>
+              <a:t>, sempre </a:t>
             </a:r>
             <a:r>
               <a:rPr lang="en-GB" sz="2000" i="0" dirty="0" err="1"/>
-              <a:t>sexta</a:t>
-            </a:r>
-            <a:r>
-              <a:rPr lang="en-GB" sz="2000" i="0"/>
-              <a:t>, 14 </a:t>
-            </a:r>
-            <a:r>
-              <a:rPr lang="en-GB" sz="2000" i="0" dirty="0"/>
-              <a:t>de </a:t>
-            </a:r>
-            <a:r>
-              <a:rPr lang="en-GB" sz="2000" i="0" dirty="0" err="1"/>
-              <a:t>outubro</a:t>
+              <a:t>aberto</a:t>
             </a:r>
             <a:r>
               <a:rPr lang="en-GB" sz="2000" b="0" i="0" dirty="0"/>
@@ -13786,12 +13750,12 @@
               <a:t>Duração</a:t>
             </a:r>
             <a:r>
-              <a:rPr lang="en-GB" sz="2000" b="0" i="0" dirty="0"/>
+              <a:rPr lang="en-GB" sz="2000" b="0" i="0"/>
               <a:t>: </a:t>
             </a:r>
             <a:r>
-              <a:rPr lang="en-GB" sz="2000" i="0" dirty="0"/>
-              <a:t>8 </a:t>
+              <a:rPr lang="en-GB" sz="2000" i="0"/>
+              <a:t>12 </a:t>
             </a:r>
             <a:r>
               <a:rPr lang="en-GB" sz="2000" i="0" dirty="0" err="1"/>
@@ -20180,7 +20144,15 @@
             </a:pPr>
             <a:r>
               <a:rPr lang="pt-BR" sz="2000" b="0" i="0" dirty="0"/>
-              <a:t>Condições para existir um </a:t>
+              <a:t>Condições </a:t>
+            </a:r>
+            <a:r>
+              <a:rPr lang="pt-BR" sz="2000" b="0" i="0"/>
+              <a:t>para poder existir </a:t>
+            </a:r>
+            <a:r>
+              <a:rPr lang="pt-BR" sz="2000" b="0" i="0" dirty="0"/>
+              <a:t>um </a:t>
             </a:r>
             <a:r>
               <a:rPr lang="pt-BR" sz="2000" b="0" dirty="0"/>
